--- a/documentacion/Fase 3.pptx
+++ b/documentacion/Fase 3.pptx
@@ -11,6 +11,7 @@
     <p:sldId id="268" r:id="rId5"/>
     <p:sldId id="266" r:id="rId6"/>
     <p:sldId id="267" r:id="rId7"/>
+    <p:sldId id="269" r:id="rId8"/>
   </p:sldIdLst>
   <p:sldSz cx="12192000" cy="6858000"/>
   <p:notesSz cx="6858000" cy="9144000"/>
@@ -14353,56 +14354,6 @@
           <a:chExt cx="0" cy="0"/>
         </a:xfrm>
       </p:grpSpPr>
-      <p:sp>
-        <p:nvSpPr>
-          <p:cNvPr id="2" name="Título 1">
-            <a:extLst>
-              <a:ext uri="{FF2B5EF4-FFF2-40B4-BE49-F238E27FC236}">
-                <a16:creationId xmlns:a16="http://schemas.microsoft.com/office/drawing/2014/main" id="{CC740D43-83B2-409E-BD1D-3DBB9FA08DAB}"/>
-              </a:ext>
-            </a:extLst>
-          </p:cNvPr>
-          <p:cNvSpPr>
-            <a:spLocks noGrp="1"/>
-          </p:cNvSpPr>
-          <p:nvPr>
-            <p:ph type="title"/>
-          </p:nvPr>
-        </p:nvSpPr>
-        <p:spPr/>
-        <p:txBody>
-          <a:bodyPr/>
-          <a:lstStyle/>
-          <a:p>
-            <a:endParaRPr lang="es-MX"/>
-          </a:p>
-        </p:txBody>
-      </p:sp>
-      <p:sp>
-        <p:nvSpPr>
-          <p:cNvPr id="3" name="Marcador de contenido 2">
-            <a:extLst>
-              <a:ext uri="{FF2B5EF4-FFF2-40B4-BE49-F238E27FC236}">
-                <a16:creationId xmlns:a16="http://schemas.microsoft.com/office/drawing/2014/main" id="{FE717037-BE6D-4ED8-AAB7-8DC8024ED0D2}"/>
-              </a:ext>
-            </a:extLst>
-          </p:cNvPr>
-          <p:cNvSpPr>
-            <a:spLocks noGrp="1"/>
-          </p:cNvSpPr>
-          <p:nvPr>
-            <p:ph idx="1"/>
-          </p:nvPr>
-        </p:nvSpPr>
-        <p:spPr/>
-        <p:txBody>
-          <a:bodyPr/>
-          <a:lstStyle/>
-          <a:p>
-            <a:endParaRPr lang="es-MX" dirty="0"/>
-          </a:p>
-        </p:txBody>
-      </p:sp>
       <p:pic>
         <p:nvPicPr>
           <p:cNvPr id="4" name="Imagen 3">
@@ -14437,6 +14388,230 @@
     <p:extLst>
       <p:ext uri="{BB962C8B-B14F-4D97-AF65-F5344CB8AC3E}">
         <p14:creationId xmlns:p14="http://schemas.microsoft.com/office/powerpoint/2010/main" val="2843973514"/>
+      </p:ext>
+    </p:extLst>
+  </p:cSld>
+  <p:clrMapOvr>
+    <a:masterClrMapping/>
+  </p:clrMapOvr>
+</p:sld>
+</file>
+
+<file path=ppt/slides/slide7.xml><?xml version="1.0" encoding="utf-8"?>
+<p:sld xmlns:a="http://schemas.openxmlformats.org/drawingml/2006/main" xmlns:r="http://schemas.openxmlformats.org/officeDocument/2006/relationships" xmlns:p="http://schemas.openxmlformats.org/presentationml/2006/main">
+  <p:cSld>
+    <p:spTree>
+      <p:nvGrpSpPr>
+        <p:cNvPr id="1" name=""/>
+        <p:cNvGrpSpPr/>
+        <p:nvPr/>
+      </p:nvGrpSpPr>
+      <p:grpSpPr>
+        <a:xfrm>
+          <a:off x="0" y="0"/>
+          <a:ext cx="0" cy="0"/>
+          <a:chOff x="0" y="0"/>
+          <a:chExt cx="0" cy="0"/>
+        </a:xfrm>
+      </p:grpSpPr>
+      <p:sp>
+        <p:nvSpPr>
+          <p:cNvPr id="2" name="Título 1">
+            <a:extLst>
+              <a:ext uri="{FF2B5EF4-FFF2-40B4-BE49-F238E27FC236}">
+                <a16:creationId xmlns:a16="http://schemas.microsoft.com/office/drawing/2014/main" id="{018CA5F1-9EAA-4C7E-951D-18D06353C9E1}"/>
+              </a:ext>
+            </a:extLst>
+          </p:cNvPr>
+          <p:cNvSpPr>
+            <a:spLocks noGrp="1"/>
+          </p:cNvSpPr>
+          <p:nvPr>
+            <p:ph type="title"/>
+          </p:nvPr>
+        </p:nvSpPr>
+        <p:spPr/>
+        <p:txBody>
+          <a:bodyPr/>
+          <a:lstStyle/>
+          <a:p>
+            <a:r>
+              <a:rPr lang="es-MX" dirty="0"/>
+              <a:t>Resultado ensamblador</a:t>
+            </a:r>
+          </a:p>
+        </p:txBody>
+      </p:sp>
+      <p:pic>
+        <p:nvPicPr>
+          <p:cNvPr id="1026" name="Picture 2">
+            <a:extLst>
+              <a:ext uri="{FF2B5EF4-FFF2-40B4-BE49-F238E27FC236}">
+                <a16:creationId xmlns:a16="http://schemas.microsoft.com/office/drawing/2014/main" id="{DBE20F76-5B79-49D7-B472-6476513CB795}"/>
+              </a:ext>
+            </a:extLst>
+          </p:cNvPr>
+          <p:cNvPicPr>
+            <a:picLocks noGrp="1" noChangeAspect="1" noChangeArrowheads="1"/>
+          </p:cNvPicPr>
+          <p:nvPr>
+            <p:ph idx="1"/>
+          </p:nvPr>
+        </p:nvPicPr>
+        <p:blipFill>
+          <a:blip r:embed="rId2">
+            <a:extLst>
+              <a:ext uri="{28A0092B-C50C-407E-A947-70E740481C1C}">
+                <a14:useLocalDpi xmlns:a14="http://schemas.microsoft.com/office/drawing/2010/main" val="0"/>
+              </a:ext>
+            </a:extLst>
+          </a:blip>
+          <a:srcRect/>
+          <a:stretch>
+            <a:fillRect/>
+          </a:stretch>
+        </p:blipFill>
+        <p:spPr bwMode="auto">
+          <a:xfrm>
+            <a:off x="675499" y="2605087"/>
+            <a:ext cx="7696200" cy="1605411"/>
+          </a:xfrm>
+          <a:prstGeom prst="rect">
+            <a:avLst/>
+          </a:prstGeom>
+          <a:noFill/>
+          <a:extLst>
+            <a:ext uri="{909E8E84-426E-40DD-AFC4-6F175D3DCCD1}">
+              <a14:hiddenFill xmlns:a14="http://schemas.microsoft.com/office/drawing/2010/main">
+                <a:solidFill>
+                  <a:srgbClr val="FFFFFF"/>
+                </a:solidFill>
+              </a14:hiddenFill>
+            </a:ext>
+          </a:extLst>
+        </p:spPr>
+      </p:pic>
+      <p:pic>
+        <p:nvPicPr>
+          <p:cNvPr id="1028" name="Picture 4">
+            <a:extLst>
+              <a:ext uri="{FF2B5EF4-FFF2-40B4-BE49-F238E27FC236}">
+                <a16:creationId xmlns:a16="http://schemas.microsoft.com/office/drawing/2014/main" id="{7F068FF7-B63C-4EE8-9F78-16678294982E}"/>
+              </a:ext>
+            </a:extLst>
+          </p:cNvPr>
+          <p:cNvPicPr>
+            <a:picLocks noChangeAspect="1" noChangeArrowheads="1"/>
+          </p:cNvPicPr>
+          <p:nvPr/>
+        </p:nvPicPr>
+        <p:blipFill>
+          <a:blip r:embed="rId3">
+            <a:extLst>
+              <a:ext uri="{28A0092B-C50C-407E-A947-70E740481C1C}">
+                <a14:useLocalDpi xmlns:a14="http://schemas.microsoft.com/office/drawing/2010/main" val="0"/>
+              </a:ext>
+            </a:extLst>
+          </a:blip>
+          <a:srcRect/>
+          <a:stretch>
+            <a:fillRect/>
+          </a:stretch>
+        </p:blipFill>
+        <p:spPr bwMode="auto">
+          <a:xfrm>
+            <a:off x="675499" y="4894004"/>
+            <a:ext cx="7696200" cy="1362075"/>
+          </a:xfrm>
+          <a:prstGeom prst="rect">
+            <a:avLst/>
+          </a:prstGeom>
+          <a:noFill/>
+          <a:extLst>
+            <a:ext uri="{909E8E84-426E-40DD-AFC4-6F175D3DCCD1}">
+              <a14:hiddenFill xmlns:a14="http://schemas.microsoft.com/office/drawing/2010/main">
+                <a:solidFill>
+                  <a:srgbClr val="FFFFFF"/>
+                </a:solidFill>
+              </a14:hiddenFill>
+            </a:ext>
+          </a:extLst>
+        </p:spPr>
+      </p:pic>
+      <p:sp>
+        <p:nvSpPr>
+          <p:cNvPr id="4" name="CuadroTexto 3">
+            <a:extLst>
+              <a:ext uri="{FF2B5EF4-FFF2-40B4-BE49-F238E27FC236}">
+                <a16:creationId xmlns:a16="http://schemas.microsoft.com/office/drawing/2014/main" id="{9BE64341-F5FE-4CA9-861D-E9C2AD9FA4E4}"/>
+              </a:ext>
+            </a:extLst>
+          </p:cNvPr>
+          <p:cNvSpPr txBox="1"/>
+          <p:nvPr/>
+        </p:nvSpPr>
+        <p:spPr>
+          <a:xfrm>
+            <a:off x="675499" y="2235755"/>
+            <a:ext cx="1069524" cy="369332"/>
+          </a:xfrm>
+          <a:prstGeom prst="rect">
+            <a:avLst/>
+          </a:prstGeom>
+          <a:noFill/>
+        </p:spPr>
+        <p:txBody>
+          <a:bodyPr wrap="none" rtlCol="0">
+            <a:spAutoFit/>
+          </a:bodyPr>
+          <a:lstStyle/>
+          <a:p>
+            <a:r>
+              <a:rPr lang="es-MX" dirty="0"/>
+              <a:t>Entrada</a:t>
+            </a:r>
+          </a:p>
+        </p:txBody>
+      </p:sp>
+      <p:sp>
+        <p:nvSpPr>
+          <p:cNvPr id="5" name="CuadroTexto 4">
+            <a:extLst>
+              <a:ext uri="{FF2B5EF4-FFF2-40B4-BE49-F238E27FC236}">
+                <a16:creationId xmlns:a16="http://schemas.microsoft.com/office/drawing/2014/main" id="{9396C1BC-67F5-49B2-A23B-787A2C180BD4}"/>
+              </a:ext>
+            </a:extLst>
+          </p:cNvPr>
+          <p:cNvSpPr txBox="1"/>
+          <p:nvPr/>
+        </p:nvSpPr>
+        <p:spPr>
+          <a:xfrm>
+            <a:off x="675499" y="4579830"/>
+            <a:ext cx="865943" cy="369332"/>
+          </a:xfrm>
+          <a:prstGeom prst="rect">
+            <a:avLst/>
+          </a:prstGeom>
+          <a:noFill/>
+        </p:spPr>
+        <p:txBody>
+          <a:bodyPr wrap="none" rtlCol="0">
+            <a:spAutoFit/>
+          </a:bodyPr>
+          <a:lstStyle/>
+          <a:p>
+            <a:r>
+              <a:rPr lang="es-MX" dirty="0"/>
+              <a:t>Salida</a:t>
+            </a:r>
+          </a:p>
+        </p:txBody>
+      </p:sp>
+    </p:spTree>
+    <p:extLst>
+      <p:ext uri="{BB962C8B-B14F-4D97-AF65-F5344CB8AC3E}">
+        <p14:creationId xmlns:p14="http://schemas.microsoft.com/office/powerpoint/2010/main" val="4242162715"/>
       </p:ext>
     </p:extLst>
   </p:cSld>
